--- a/img/img.pptx
+++ b/img/img.pptx
@@ -107,6 +107,11 @@
       </a:defRPr>
     </a:lvl9pPr>
   </p:defaultTextStyle>
+  <p:extLst>
+    <p:ext uri="{EFAFB233-063F-42B5-8137-9DF3F51BA10A}">
+      <p15:sldGuideLst xmlns:p15="http://schemas.microsoft.com/office/powerpoint/2012/main"/>
+    </p:ext>
+  </p:extLst>
 </p:presentation>
 </file>
 
@@ -192,7 +197,7 @@
           <a:p>
             <a:fld id="{A42D406D-E892-CC4C-8CC0-8D5D564D3903}" type="datetimeFigureOut">
               <a:rPr kumimoji="1" lang="ko-KR" altLang="en-US" smtClean="0"/>
-              <a:t>2021. 11. 6.</a:t>
+              <a:t>2021. 12. 31.</a:t>
             </a:fld>
             <a:endParaRPr kumimoji="1" lang="ko-KR" altLang="en-US"/>
           </a:p>
@@ -702,7 +707,7 @@
           <a:p>
             <a:fld id="{089A0061-1BFB-664C-95B4-71FC575B68AA}" type="datetimeFigureOut">
               <a:rPr kumimoji="1" lang="ko-KR" altLang="en-US" smtClean="0"/>
-              <a:t>2021. 11. 6.</a:t>
+              <a:t>2021. 12. 31.</a:t>
             </a:fld>
             <a:endParaRPr kumimoji="1" lang="ko-KR" altLang="en-US"/>
           </a:p>
@@ -900,7 +905,7 @@
           <a:p>
             <a:fld id="{089A0061-1BFB-664C-95B4-71FC575B68AA}" type="datetimeFigureOut">
               <a:rPr kumimoji="1" lang="ko-KR" altLang="en-US" smtClean="0"/>
-              <a:t>2021. 11. 6.</a:t>
+              <a:t>2021. 12. 31.</a:t>
             </a:fld>
             <a:endParaRPr kumimoji="1" lang="ko-KR" altLang="en-US"/>
           </a:p>
@@ -1108,7 +1113,7 @@
           <a:p>
             <a:fld id="{089A0061-1BFB-664C-95B4-71FC575B68AA}" type="datetimeFigureOut">
               <a:rPr kumimoji="1" lang="ko-KR" altLang="en-US" smtClean="0"/>
-              <a:t>2021. 11. 6.</a:t>
+              <a:t>2021. 12. 31.</a:t>
             </a:fld>
             <a:endParaRPr kumimoji="1" lang="ko-KR" altLang="en-US"/>
           </a:p>
@@ -1306,7 +1311,7 @@
           <a:p>
             <a:fld id="{089A0061-1BFB-664C-95B4-71FC575B68AA}" type="datetimeFigureOut">
               <a:rPr kumimoji="1" lang="ko-KR" altLang="en-US" smtClean="0"/>
-              <a:t>2021. 11. 6.</a:t>
+              <a:t>2021. 12. 31.</a:t>
             </a:fld>
             <a:endParaRPr kumimoji="1" lang="ko-KR" altLang="en-US"/>
           </a:p>
@@ -1581,7 +1586,7 @@
           <a:p>
             <a:fld id="{089A0061-1BFB-664C-95B4-71FC575B68AA}" type="datetimeFigureOut">
               <a:rPr kumimoji="1" lang="ko-KR" altLang="en-US" smtClean="0"/>
-              <a:t>2021. 11. 6.</a:t>
+              <a:t>2021. 12. 31.</a:t>
             </a:fld>
             <a:endParaRPr kumimoji="1" lang="ko-KR" altLang="en-US"/>
           </a:p>
@@ -1846,7 +1851,7 @@
           <a:p>
             <a:fld id="{089A0061-1BFB-664C-95B4-71FC575B68AA}" type="datetimeFigureOut">
               <a:rPr kumimoji="1" lang="ko-KR" altLang="en-US" smtClean="0"/>
-              <a:t>2021. 11. 6.</a:t>
+              <a:t>2021. 12. 31.</a:t>
             </a:fld>
             <a:endParaRPr kumimoji="1" lang="ko-KR" altLang="en-US"/>
           </a:p>
@@ -2258,7 +2263,7 @@
           <a:p>
             <a:fld id="{089A0061-1BFB-664C-95B4-71FC575B68AA}" type="datetimeFigureOut">
               <a:rPr kumimoji="1" lang="ko-KR" altLang="en-US" smtClean="0"/>
-              <a:t>2021. 11. 6.</a:t>
+              <a:t>2021. 12. 31.</a:t>
             </a:fld>
             <a:endParaRPr kumimoji="1" lang="ko-KR" altLang="en-US"/>
           </a:p>
@@ -2399,7 +2404,7 @@
           <a:p>
             <a:fld id="{089A0061-1BFB-664C-95B4-71FC575B68AA}" type="datetimeFigureOut">
               <a:rPr kumimoji="1" lang="ko-KR" altLang="en-US" smtClean="0"/>
-              <a:t>2021. 11. 6.</a:t>
+              <a:t>2021. 12. 31.</a:t>
             </a:fld>
             <a:endParaRPr kumimoji="1" lang="ko-KR" altLang="en-US"/>
           </a:p>
@@ -2512,7 +2517,7 @@
           <a:p>
             <a:fld id="{089A0061-1BFB-664C-95B4-71FC575B68AA}" type="datetimeFigureOut">
               <a:rPr kumimoji="1" lang="ko-KR" altLang="en-US" smtClean="0"/>
-              <a:t>2021. 11. 6.</a:t>
+              <a:t>2021. 12. 31.</a:t>
             </a:fld>
             <a:endParaRPr kumimoji="1" lang="ko-KR" altLang="en-US"/>
           </a:p>
@@ -2823,7 +2828,7 @@
           <a:p>
             <a:fld id="{089A0061-1BFB-664C-95B4-71FC575B68AA}" type="datetimeFigureOut">
               <a:rPr kumimoji="1" lang="ko-KR" altLang="en-US" smtClean="0"/>
-              <a:t>2021. 11. 6.</a:t>
+              <a:t>2021. 12. 31.</a:t>
             </a:fld>
             <a:endParaRPr kumimoji="1" lang="ko-KR" altLang="en-US"/>
           </a:p>
@@ -3111,7 +3116,7 @@
           <a:p>
             <a:fld id="{089A0061-1BFB-664C-95B4-71FC575B68AA}" type="datetimeFigureOut">
               <a:rPr kumimoji="1" lang="ko-KR" altLang="en-US" smtClean="0"/>
-              <a:t>2021. 11. 6.</a:t>
+              <a:t>2021. 12. 31.</a:t>
             </a:fld>
             <a:endParaRPr kumimoji="1" lang="ko-KR" altLang="en-US"/>
           </a:p>
@@ -3352,7 +3357,7 @@
           <a:p>
             <a:fld id="{089A0061-1BFB-664C-95B4-71FC575B68AA}" type="datetimeFigureOut">
               <a:rPr kumimoji="1" lang="ko-KR" altLang="en-US" smtClean="0"/>
-              <a:t>2021. 11. 6.</a:t>
+              <a:t>2021. 12. 31.</a:t>
             </a:fld>
             <a:endParaRPr kumimoji="1" lang="ko-KR" altLang="en-US"/>
           </a:p>
@@ -3769,36 +3774,6 @@
           <a:chExt cx="0" cy="0"/>
         </a:xfrm>
       </p:grpSpPr>
-      <p:pic>
-        <p:nvPicPr>
-          <p:cNvPr id="5" name="그림 4">
-            <a:extLst>
-              <a:ext uri="{FF2B5EF4-FFF2-40B4-BE49-F238E27FC236}">
-                <a16:creationId xmlns:a16="http://schemas.microsoft.com/office/drawing/2014/main" id="{4DDB03C2-6A0A-9F40-8C09-46B92096CC64}"/>
-              </a:ext>
-            </a:extLst>
-          </p:cNvPr>
-          <p:cNvPicPr>
-            <a:picLocks noChangeAspect="1"/>
-          </p:cNvPicPr>
-          <p:nvPr/>
-        </p:nvPicPr>
-        <p:blipFill>
-          <a:blip r:embed="rId3"/>
-          <a:stretch>
-            <a:fillRect/>
-          </a:stretch>
-        </p:blipFill>
-        <p:spPr>
-          <a:xfrm>
-            <a:off x="3740150" y="1676400"/>
-            <a:ext cx="4711700" cy="3505200"/>
-          </a:xfrm>
-          <a:prstGeom prst="rect">
-            <a:avLst/>
-          </a:prstGeom>
-        </p:spPr>
-      </p:pic>
     </p:spTree>
     <p:extLst>
       <p:ext uri="{BB962C8B-B14F-4D97-AF65-F5344CB8AC3E}">
